--- a/cs622_materials/ExceptionHandling.pptx
+++ b/cs622_materials/ExceptionHandling.pptx
@@ -175,6 +175,120 @@
 </p:presentation>
 </file>
 
+<file path=ppt/authors.xml><?xml version="1.0" encoding="utf-8"?>
+<p188:authorLst xmlns:a="http://schemas.openxmlformats.org/drawingml/2006/main" xmlns:r="http://schemas.openxmlformats.org/officeDocument/2006/relationships" xmlns:p188="http://schemas.microsoft.com/office/powerpoint/2018/8/main">
+  <p188:author id="{54AC2949-DE10-DF52-009D-098EBEC026D7}" name="Kramer, Michael, Gabriel" initials="KMG" userId="Kramer, Michael, Gabriel" providerId="None"/>
+</p188:authorLst>
+</file>
+
+<file path=ppt/comments/modernComment_1B2_2F1FF86F.xml><?xml version="1.0" encoding="utf-8"?>
+<p188:cmLst xmlns:a="http://schemas.openxmlformats.org/drawingml/2006/main" xmlns:r="http://schemas.openxmlformats.org/officeDocument/2006/relationships" xmlns:p188="http://schemas.microsoft.com/office/powerpoint/2018/8/main">
+  <p188:cm id="{3D19DAD7-507E-4F43-8E1B-755262B70DF5}" authorId="{54AC2949-DE10-DF52-009D-098EBEC026D7}" created="2022-01-21T02:06:23.616">
+    <pc:sldMkLst xmlns:pc="http://schemas.microsoft.com/office/powerpoint/2013/main/command">
+      <pc:docMk/>
+      <pc:sldMk cId="790624367" sldId="434"/>
+    </pc:sldMkLst>
+    <p188:txBody>
+      <a:bodyPr/>
+      <a:lstStyle/>
+      <a:p>
+        <a:r>
+          <a:rPr lang="en-US"/>
+          <a:t>This example is a legacy example in C 
+Detection of error is separate from handling the error</a:t>
+        </a:r>
+      </a:p>
+    </p188:txBody>
+  </p188:cm>
+</p188:cmLst>
+</file>
+
+<file path=ppt/comments/modernComment_1B3_5D7E4E7.xml><?xml version="1.0" encoding="utf-8"?>
+<p188:cmLst xmlns:a="http://schemas.openxmlformats.org/drawingml/2006/main" xmlns:r="http://schemas.openxmlformats.org/officeDocument/2006/relationships" xmlns:p188="http://schemas.microsoft.com/office/powerpoint/2018/8/main">
+  <p188:cm id="{8376C842-DE5B-4C1A-9A55-DADD4A5E6733}" authorId="{54AC2949-DE10-DF52-009D-098EBEC026D7}" created="2022-01-21T02:07:25.547">
+    <pc:sldMkLst xmlns:pc="http://schemas.microsoft.com/office/powerpoint/2013/main/command">
+      <pc:docMk/>
+      <pc:sldMk cId="98034919" sldId="435"/>
+    </pc:sldMkLst>
+    <p188:txBody>
+      <a:bodyPr/>
+      <a:lstStyle/>
+      <a:p>
+        <a:r>
+          <a:rPr lang="en-US"/>
+          <a:t>This slide is outlining the advantages of Java over C</a:t>
+        </a:r>
+      </a:p>
+    </p188:txBody>
+  </p188:cm>
+</p188:cmLst>
+</file>
+
+<file path=ppt/comments/modernComment_1B5_4CAFF428.xml><?xml version="1.0" encoding="utf-8"?>
+<p188:cmLst xmlns:a="http://schemas.openxmlformats.org/drawingml/2006/main" xmlns:r="http://schemas.openxmlformats.org/officeDocument/2006/relationships" xmlns:p188="http://schemas.microsoft.com/office/powerpoint/2018/8/main">
+  <p188:cm id="{C37489D6-EC7B-4B96-84F6-0696AFB89571}" authorId="{54AC2949-DE10-DF52-009D-098EBEC026D7}" created="2022-01-21T02:09:24.106">
+    <pc:sldMkLst xmlns:pc="http://schemas.microsoft.com/office/powerpoint/2013/main/command">
+      <pc:docMk/>
+      <pc:sldMk cId="1286599720" sldId="437"/>
+    </pc:sldMkLst>
+    <p188:txBody>
+      <a:bodyPr/>
+      <a:lstStyle/>
+      <a:p>
+        <a:r>
+          <a:rPr lang="en-US"/>
+          <a:t>ArithmeticException is an UNCHECKED exception - Java doesn't require you to check for it</a:t>
+        </a:r>
+      </a:p>
+    </p188:txBody>
+  </p188:cm>
+</p188:cmLst>
+</file>
+
+<file path=ppt/comments/modernComment_1B9_DCE5BBDA.xml><?xml version="1.0" encoding="utf-8"?>
+<p188:cmLst xmlns:a="http://schemas.openxmlformats.org/drawingml/2006/main" xmlns:r="http://schemas.openxmlformats.org/officeDocument/2006/relationships" xmlns:p188="http://schemas.microsoft.com/office/powerpoint/2018/8/main">
+  <p188:cm id="{E87CC327-0C23-4A15-845D-8F057C6A82F9}" authorId="{54AC2949-DE10-DF52-009D-098EBEC026D7}" created="2022-01-21T02:18:39.335">
+    <pc:sldMkLst xmlns:pc="http://schemas.microsoft.com/office/powerpoint/2013/main/command">
+      <pc:docMk/>
+      <pc:sldMk cId="3706043354" sldId="441"/>
+    </pc:sldMkLst>
+    <p188:txBody>
+      <a:bodyPr/>
+      <a:lstStyle/>
+      <a:p>
+        <a:r>
+          <a:rPr lang="en-US"/>
+          <a:t>To catch the exception, main either has to throw the exception or we need a try catch </a:t>
+        </a:r>
+      </a:p>
+    </p188:txBody>
+  </p188:cm>
+</p188:cmLst>
+</file>
+
+<file path=ppt/comments/modernComment_1BB_D1B2869F.xml><?xml version="1.0" encoding="utf-8"?>
+<p188:cmLst xmlns:a="http://schemas.openxmlformats.org/drawingml/2006/main" xmlns:r="http://schemas.openxmlformats.org/officeDocument/2006/relationships" xmlns:p188="http://schemas.microsoft.com/office/powerpoint/2018/8/main">
+  <p188:cm id="{42151E24-3989-458D-9D66-5A9AE4DCC563}" authorId="{54AC2949-DE10-DF52-009D-098EBEC026D7}" created="2022-01-21T02:21:18.323">
+    <pc:sldMkLst xmlns:pc="http://schemas.microsoft.com/office/powerpoint/2013/main/command">
+      <pc:docMk/>
+      <pc:sldMk cId="3518138015" sldId="443"/>
+    </pc:sldMkLst>
+    <p188:txBody>
+      <a:bodyPr/>
+      <a:lstStyle/>
+      <a:p>
+        <a:r>
+          <a:rPr lang="en-US"/>
+          <a:t>No matter what happens causing method to exit or fail, finally code will execute  even if exception is thrown 
+finally is almost always used for CLOSING OUT RESOURCES 
+It is possible to cause an exception within the finally block, and code after that would not execute </a:t>
+        </a:r>
+      </a:p>
+    </p188:txBody>
+  </p188:cm>
+</p188:cmLst>
+</file>
+
 <file path=ppt/handoutMasters/handoutMaster1.xml><?xml version="1.0" encoding="utf-8"?>
 <p:handoutMaster xmlns:a="http://schemas.openxmlformats.org/drawingml/2006/main" xmlns:r="http://schemas.openxmlformats.org/officeDocument/2006/relationships" xmlns:p="http://schemas.openxmlformats.org/presentationml/2006/main">
   <p:cSld>
@@ -2395,7 +2509,7 @@
               <a:pPr>
                 <a:defRPr/>
               </a:pPr>
-              <a:t>1/18/2022</a:t>
+              <a:t>1/20/2022</a:t>
             </a:fld>
             <a:endParaRPr lang="en-US"/>
           </a:p>
@@ -2619,7 +2733,7 @@
               <a:pPr>
                 <a:defRPr/>
               </a:pPr>
-              <a:t>1/18/2022</a:t>
+              <a:t>1/20/2022</a:t>
             </a:fld>
             <a:endParaRPr lang="en-US"/>
           </a:p>
@@ -2837,7 +2951,7 @@
           <a:p>
             <a:fld id="{9454E242-1075-47E0-A162-55C960B37C1C}" type="datetimeFigureOut">
               <a:rPr lang="en-US" smtClean="0"/>
-              <a:t>1/18/2022</a:t>
+              <a:t>1/20/2022</a:t>
             </a:fld>
             <a:endParaRPr lang="en-US"/>
           </a:p>
@@ -3005,7 +3119,7 @@
           <a:p>
             <a:fld id="{9454E242-1075-47E0-A162-55C960B37C1C}" type="datetimeFigureOut">
               <a:rPr lang="en-US" smtClean="0"/>
-              <a:t>1/18/2022</a:t>
+              <a:t>1/20/2022</a:t>
             </a:fld>
             <a:endParaRPr lang="en-US"/>
           </a:p>
@@ -3250,7 +3364,7 @@
           <a:p>
             <a:fld id="{9454E242-1075-47E0-A162-55C960B37C1C}" type="datetimeFigureOut">
               <a:rPr lang="en-US" smtClean="0"/>
-              <a:t>1/18/2022</a:t>
+              <a:t>1/20/2022</a:t>
             </a:fld>
             <a:endParaRPr lang="en-US"/>
           </a:p>
@@ -3479,7 +3593,7 @@
           <a:p>
             <a:fld id="{9454E242-1075-47E0-A162-55C960B37C1C}" type="datetimeFigureOut">
               <a:rPr lang="en-US" smtClean="0"/>
-              <a:t>1/18/2022</a:t>
+              <a:t>1/20/2022</a:t>
             </a:fld>
             <a:endParaRPr lang="en-US"/>
           </a:p>
@@ -3843,7 +3957,7 @@
           <a:p>
             <a:fld id="{9454E242-1075-47E0-A162-55C960B37C1C}" type="datetimeFigureOut">
               <a:rPr lang="en-US" smtClean="0"/>
-              <a:t>1/18/2022</a:t>
+              <a:t>1/20/2022</a:t>
             </a:fld>
             <a:endParaRPr lang="en-US"/>
           </a:p>
@@ -3960,7 +4074,7 @@
           <a:p>
             <a:fld id="{9454E242-1075-47E0-A162-55C960B37C1C}" type="datetimeFigureOut">
               <a:rPr lang="en-US" smtClean="0"/>
-              <a:t>1/18/2022</a:t>
+              <a:t>1/20/2022</a:t>
             </a:fld>
             <a:endParaRPr lang="en-US"/>
           </a:p>
@@ -4055,7 +4169,7 @@
           <a:p>
             <a:fld id="{9454E242-1075-47E0-A162-55C960B37C1C}" type="datetimeFigureOut">
               <a:rPr lang="en-US" smtClean="0"/>
-              <a:t>1/18/2022</a:t>
+              <a:t>1/20/2022</a:t>
             </a:fld>
             <a:endParaRPr lang="en-US"/>
           </a:p>
@@ -4330,7 +4444,7 @@
           <a:p>
             <a:fld id="{9454E242-1075-47E0-A162-55C960B37C1C}" type="datetimeFigureOut">
               <a:rPr lang="en-US" smtClean="0"/>
-              <a:t>1/18/2022</a:t>
+              <a:t>1/20/2022</a:t>
             </a:fld>
             <a:endParaRPr lang="en-US"/>
           </a:p>
@@ -4847,7 +4961,7 @@
           <a:p>
             <a:fld id="{9454E242-1075-47E0-A162-55C960B37C1C}" type="datetimeFigureOut">
               <a:rPr lang="en-US" smtClean="0"/>
-              <a:t>1/18/2022</a:t>
+              <a:t>1/20/2022</a:t>
             </a:fld>
             <a:endParaRPr lang="en-US"/>
           </a:p>
@@ -5015,7 +5129,7 @@
           <a:p>
             <a:fld id="{9454E242-1075-47E0-A162-55C960B37C1C}" type="datetimeFigureOut">
               <a:rPr lang="en-US" smtClean="0"/>
-              <a:t>1/18/2022</a:t>
+              <a:t>1/20/2022</a:t>
             </a:fld>
             <a:endParaRPr lang="en-US"/>
           </a:p>
@@ -5193,7 +5307,7 @@
           <a:p>
             <a:fld id="{9454E242-1075-47E0-A162-55C960B37C1C}" type="datetimeFigureOut">
               <a:rPr lang="en-US" smtClean="0"/>
-              <a:t>1/18/2022</a:t>
+              <a:t>1/20/2022</a:t>
             </a:fld>
             <a:endParaRPr lang="en-US"/>
           </a:p>
@@ -5456,7 +5570,7 @@
               <a:pPr>
                 <a:defRPr/>
               </a:pPr>
-              <a:t>1/18/2022</a:t>
+              <a:t>1/20/2022</a:t>
             </a:fld>
             <a:endParaRPr lang="en-US"/>
           </a:p>
@@ -5787,7 +5901,7 @@
               <a:pPr>
                 <a:defRPr/>
               </a:pPr>
-              <a:t>1/18/2022</a:t>
+              <a:t>1/20/2022</a:t>
             </a:fld>
             <a:endParaRPr lang="en-US"/>
           </a:p>
@@ -6252,7 +6366,7 @@
               <a:pPr>
                 <a:defRPr/>
               </a:pPr>
-              <a:t>1/18/2022</a:t>
+              <a:t>1/20/2022</a:t>
             </a:fld>
             <a:endParaRPr lang="en-US"/>
           </a:p>
@@ -6415,7 +6529,7 @@
               <a:pPr>
                 <a:defRPr/>
               </a:pPr>
-              <a:t>1/18/2022</a:t>
+              <a:t>1/20/2022</a:t>
             </a:fld>
             <a:endParaRPr lang="en-US"/>
           </a:p>
@@ -6556,7 +6670,7 @@
               <a:pPr>
                 <a:defRPr/>
               </a:pPr>
-              <a:t>1/18/2022</a:t>
+              <a:t>1/20/2022</a:t>
             </a:fld>
             <a:endParaRPr lang="en-US"/>
           </a:p>
@@ -6877,7 +6991,7 @@
               <a:pPr>
                 <a:defRPr/>
               </a:pPr>
-              <a:t>1/18/2022</a:t>
+              <a:t>1/20/2022</a:t>
             </a:fld>
             <a:endParaRPr lang="en-US"/>
           </a:p>
@@ -7178,7 +7292,7 @@
               <a:pPr>
                 <a:defRPr/>
               </a:pPr>
-              <a:t>1/18/2022</a:t>
+              <a:t>1/20/2022</a:t>
             </a:fld>
             <a:endParaRPr lang="en-US"/>
           </a:p>
@@ -8348,7 +8462,7 @@
           <a:p>
             <a:fld id="{9454E242-1075-47E0-A162-55C960B37C1C}" type="datetimeFigureOut">
               <a:rPr lang="en-US" smtClean="0"/>
-              <a:t>1/18/2022</a:t>
+              <a:t>1/20/2022</a:t>
             </a:fld>
             <a:endParaRPr lang="en-US"/>
           </a:p>
@@ -10512,6 +10626,11 @@
   <p:clrMapOvr>
     <a:masterClrMapping/>
   </p:clrMapOvr>
+  <p:extLst>
+    <p:ext uri="{6950BFC3-D8DA-4A85-94F7-54DA5524770B}">
+      <p188:commentRel xmlns:p188="http://schemas.microsoft.com/office/powerpoint/2018/8/main" r:id="rId3"/>
+    </p:ext>
+  </p:extLst>
 </p:sld>
 </file>
 
@@ -11981,15 +12100,7 @@
             </a:r>
             <a:r>
               <a:rPr lang="en-US" dirty="0"/>
-              <a:t> </a:t>
-            </a:r>
-            <a:r>
-              <a:rPr lang="en-US" dirty="0" err="1"/>
-              <a:t>areis</a:t>
-            </a:r>
-            <a:r>
-              <a:rPr lang="en-US" dirty="0"/>
-              <a:t> an unchecked exception.</a:t>
+              <a:t> are is an unchecked exception.</a:t>
             </a:r>
           </a:p>
           <a:p>
@@ -12957,6 +13068,11 @@
   <p:clrMapOvr>
     <a:masterClrMapping/>
   </p:clrMapOvr>
+  <p:extLst>
+    <p:ext uri="{6950BFC3-D8DA-4A85-94F7-54DA5524770B}">
+      <p188:commentRel xmlns:p188="http://schemas.microsoft.com/office/powerpoint/2018/8/main" r:id="rId3"/>
+    </p:ext>
+  </p:extLst>
 </p:sld>
 </file>
 
@@ -13069,6 +13185,11 @@
   <p:clrMapOvr>
     <a:masterClrMapping/>
   </p:clrMapOvr>
+  <p:extLst>
+    <p:ext uri="{6950BFC3-D8DA-4A85-94F7-54DA5524770B}">
+      <p188:commentRel xmlns:p188="http://schemas.microsoft.com/office/powerpoint/2018/8/main" r:id="rId2"/>
+    </p:ext>
+  </p:extLst>
 </p:sld>
 </file>
 
@@ -14650,6 +14771,11 @@
   <p:clrMapOvr>
     <a:masterClrMapping/>
   </p:clrMapOvr>
+  <p:extLst>
+    <p:ext uri="{6950BFC3-D8DA-4A85-94F7-54DA5524770B}">
+      <p188:commentRel xmlns:p188="http://schemas.microsoft.com/office/powerpoint/2018/8/main" r:id="rId3"/>
+    </p:ext>
+  </p:extLst>
 </p:sld>
 </file>
 
@@ -16568,6 +16694,11 @@
   <p:clrMapOvr>
     <a:masterClrMapping/>
   </p:clrMapOvr>
+  <p:extLst>
+    <p:ext uri="{6950BFC3-D8DA-4A85-94F7-54DA5524770B}">
+      <p188:commentRel xmlns:p188="http://schemas.microsoft.com/office/powerpoint/2018/8/main" r:id="rId3"/>
+    </p:ext>
+  </p:extLst>
 </p:sld>
 </file>
 
